--- a/HM11/Проект_Егорова.pptx
+++ b/HM11/Проект_Егорова.pptx
@@ -10,6 +10,8 @@
     <p:sldId id="258" r:id="rId4"/>
     <p:sldId id="259" r:id="rId5"/>
     <p:sldId id="260" r:id="rId6"/>
+    <p:sldId id="261" r:id="rId7"/>
+    <p:sldId id="262" r:id="rId8"/>
   </p:sldIdLst>
   <p:sldSz cx="12192000" cy="6858000"/>
   <p:notesSz cx="6858000" cy="9144000"/>
@@ -108,6 +110,11 @@
       </a:defRPr>
     </a:lvl9pPr>
   </p:defaultTextStyle>
+  <p:extLst>
+    <p:ext uri="{EFAFB233-063F-42B5-8137-9DF3F51BA10A}">
+      <p15:sldGuideLst xmlns:p15="http://schemas.microsoft.com/office/powerpoint/2012/main"/>
+    </p:ext>
+  </p:extLst>
 </p:presentation>
 </file>
 
@@ -833,7 +840,7 @@
           <a:p>
             <a:fld id="{679BA54B-E6CE-4F15-AF0E-E62F754E944E}" type="datetimeFigureOut">
               <a:rPr lang="ru-RU" smtClean="0"/>
-              <a:t>24.10.2021</a:t>
+              <a:t>21.11.2021</a:t>
             </a:fld>
             <a:endParaRPr lang="ru-RU"/>
           </a:p>
@@ -1084,7 +1091,7 @@
           <a:p>
             <a:fld id="{679BA54B-E6CE-4F15-AF0E-E62F754E944E}" type="datetimeFigureOut">
               <a:rPr lang="ru-RU" smtClean="0"/>
-              <a:t>24.10.2021</a:t>
+              <a:t>21.11.2021</a:t>
             </a:fld>
             <a:endParaRPr lang="ru-RU"/>
           </a:p>
@@ -1398,7 +1405,7 @@
           <a:p>
             <a:fld id="{679BA54B-E6CE-4F15-AF0E-E62F754E944E}" type="datetimeFigureOut">
               <a:rPr lang="ru-RU" smtClean="0"/>
-              <a:t>24.10.2021</a:t>
+              <a:t>21.11.2021</a:t>
             </a:fld>
             <a:endParaRPr lang="ru-RU"/>
           </a:p>
@@ -1739,7 +1746,7 @@
           <a:p>
             <a:fld id="{679BA54B-E6CE-4F15-AF0E-E62F754E944E}" type="datetimeFigureOut">
               <a:rPr lang="ru-RU" smtClean="0"/>
-              <a:t>24.10.2021</a:t>
+              <a:t>21.11.2021</a:t>
             </a:fld>
             <a:endParaRPr lang="ru-RU"/>
           </a:p>
@@ -2053,7 +2060,7 @@
           <a:p>
             <a:fld id="{679BA54B-E6CE-4F15-AF0E-E62F754E944E}" type="datetimeFigureOut">
               <a:rPr lang="ru-RU" smtClean="0"/>
-              <a:t>24.10.2021</a:t>
+              <a:t>21.11.2021</a:t>
             </a:fld>
             <a:endParaRPr lang="ru-RU"/>
           </a:p>
@@ -2446,7 +2453,7 @@
           <a:p>
             <a:fld id="{679BA54B-E6CE-4F15-AF0E-E62F754E944E}" type="datetimeFigureOut">
               <a:rPr lang="ru-RU" smtClean="0"/>
-              <a:t>24.10.2021</a:t>
+              <a:t>21.11.2021</a:t>
             </a:fld>
             <a:endParaRPr lang="ru-RU"/>
           </a:p>
@@ -2616,7 +2623,7 @@
           <a:p>
             <a:fld id="{679BA54B-E6CE-4F15-AF0E-E62F754E944E}" type="datetimeFigureOut">
               <a:rPr lang="ru-RU" smtClean="0"/>
-              <a:t>24.10.2021</a:t>
+              <a:t>21.11.2021</a:t>
             </a:fld>
             <a:endParaRPr lang="ru-RU"/>
           </a:p>
@@ -2796,7 +2803,7 @@
           <a:p>
             <a:fld id="{679BA54B-E6CE-4F15-AF0E-E62F754E944E}" type="datetimeFigureOut">
               <a:rPr lang="ru-RU" smtClean="0"/>
-              <a:t>24.10.2021</a:t>
+              <a:t>21.11.2021</a:t>
             </a:fld>
             <a:endParaRPr lang="ru-RU"/>
           </a:p>
@@ -2972,7 +2979,7 @@
           <a:p>
             <a:fld id="{679BA54B-E6CE-4F15-AF0E-E62F754E944E}" type="datetimeFigureOut">
               <a:rPr lang="ru-RU" smtClean="0"/>
-              <a:t>24.10.2021</a:t>
+              <a:t>21.11.2021</a:t>
             </a:fld>
             <a:endParaRPr lang="ru-RU"/>
           </a:p>
@@ -3219,7 +3226,7 @@
           <a:p>
             <a:fld id="{679BA54B-E6CE-4F15-AF0E-E62F754E944E}" type="datetimeFigureOut">
               <a:rPr lang="ru-RU" smtClean="0"/>
-              <a:t>24.10.2021</a:t>
+              <a:t>21.11.2021</a:t>
             </a:fld>
             <a:endParaRPr lang="ru-RU"/>
           </a:p>
@@ -3451,7 +3458,7 @@
           <a:p>
             <a:fld id="{679BA54B-E6CE-4F15-AF0E-E62F754E944E}" type="datetimeFigureOut">
               <a:rPr lang="ru-RU" smtClean="0"/>
-              <a:t>24.10.2021</a:t>
+              <a:t>21.11.2021</a:t>
             </a:fld>
             <a:endParaRPr lang="ru-RU"/>
           </a:p>
@@ -3825,7 +3832,7 @@
           <a:p>
             <a:fld id="{679BA54B-E6CE-4F15-AF0E-E62F754E944E}" type="datetimeFigureOut">
               <a:rPr lang="ru-RU" smtClean="0"/>
-              <a:t>24.10.2021</a:t>
+              <a:t>21.11.2021</a:t>
             </a:fld>
             <a:endParaRPr lang="ru-RU"/>
           </a:p>
@@ -3948,7 +3955,7 @@
           <a:p>
             <a:fld id="{679BA54B-E6CE-4F15-AF0E-E62F754E944E}" type="datetimeFigureOut">
               <a:rPr lang="ru-RU" smtClean="0"/>
-              <a:t>24.10.2021</a:t>
+              <a:t>21.11.2021</a:t>
             </a:fld>
             <a:endParaRPr lang="ru-RU"/>
           </a:p>
@@ -4043,7 +4050,7 @@
           <a:p>
             <a:fld id="{679BA54B-E6CE-4F15-AF0E-E62F754E944E}" type="datetimeFigureOut">
               <a:rPr lang="ru-RU" smtClean="0"/>
-              <a:t>24.10.2021</a:t>
+              <a:t>21.11.2021</a:t>
             </a:fld>
             <a:endParaRPr lang="ru-RU"/>
           </a:p>
@@ -4298,7 +4305,7 @@
           <a:p>
             <a:fld id="{679BA54B-E6CE-4F15-AF0E-E62F754E944E}" type="datetimeFigureOut">
               <a:rPr lang="ru-RU" smtClean="0"/>
-              <a:t>24.10.2021</a:t>
+              <a:t>21.11.2021</a:t>
             </a:fld>
             <a:endParaRPr lang="ru-RU"/>
           </a:p>
@@ -4561,7 +4568,7 @@
           <a:p>
             <a:fld id="{679BA54B-E6CE-4F15-AF0E-E62F754E944E}" type="datetimeFigureOut">
               <a:rPr lang="ru-RU" smtClean="0"/>
-              <a:t>24.10.2021</a:t>
+              <a:t>21.11.2021</a:t>
             </a:fld>
             <a:endParaRPr lang="ru-RU"/>
           </a:p>
@@ -5304,7 +5311,7 @@
           <a:p>
             <a:fld id="{679BA54B-E6CE-4F15-AF0E-E62F754E944E}" type="datetimeFigureOut">
               <a:rPr lang="ru-RU" smtClean="0"/>
-              <a:t>24.10.2021</a:t>
+              <a:t>21.11.2021</a:t>
             </a:fld>
             <a:endParaRPr lang="ru-RU"/>
           </a:p>
@@ -7029,6 +7036,255 @@
 </p:sld>
 </file>
 
+<file path=ppt/slides/slide6.xml><?xml version="1.0" encoding="utf-8"?>
+<p:sld xmlns:a="http://schemas.openxmlformats.org/drawingml/2006/main" xmlns:r="http://schemas.openxmlformats.org/officeDocument/2006/relationships" xmlns:p="http://schemas.openxmlformats.org/presentationml/2006/main">
+  <p:cSld>
+    <p:spTree>
+      <p:nvGrpSpPr>
+        <p:cNvPr id="1" name=""/>
+        <p:cNvGrpSpPr/>
+        <p:nvPr/>
+      </p:nvGrpSpPr>
+      <p:grpSpPr>
+        <a:xfrm>
+          <a:off x="0" y="0"/>
+          <a:ext cx="0" cy="0"/>
+          <a:chOff x="0" y="0"/>
+          <a:chExt cx="0" cy="0"/>
+        </a:xfrm>
+      </p:grpSpPr>
+      <p:sp>
+        <p:nvSpPr>
+          <p:cNvPr id="2" name="Заголовок 1">
+            <a:extLst>
+              <a:ext uri="{FF2B5EF4-FFF2-40B4-BE49-F238E27FC236}">
+                <a16:creationId xmlns:a16="http://schemas.microsoft.com/office/drawing/2014/main" id="{88303F5F-7BB6-497D-9BC0-E805BBEC4C74}"/>
+              </a:ext>
+            </a:extLst>
+          </p:cNvPr>
+          <p:cNvSpPr>
+            <a:spLocks noGrp="1"/>
+          </p:cNvSpPr>
+          <p:nvPr>
+            <p:ph type="title"/>
+          </p:nvPr>
+        </p:nvSpPr>
+        <p:spPr/>
+        <p:txBody>
+          <a:bodyPr/>
+          <a:lstStyle/>
+          <a:p>
+            <a:r>
+              <a:rPr lang="ru-RU" dirty="0"/>
+              <a:t>Необходимые ограничения и индексы</a:t>
+            </a:r>
+          </a:p>
+        </p:txBody>
+      </p:sp>
+      <p:sp>
+        <p:nvSpPr>
+          <p:cNvPr id="3" name="Объект 2">
+            <a:extLst>
+              <a:ext uri="{FF2B5EF4-FFF2-40B4-BE49-F238E27FC236}">
+                <a16:creationId xmlns:a16="http://schemas.microsoft.com/office/drawing/2014/main" id="{CDA9578C-12A2-46D1-887D-87CD40B3E329}"/>
+              </a:ext>
+            </a:extLst>
+          </p:cNvPr>
+          <p:cNvSpPr>
+            <a:spLocks noGrp="1"/>
+          </p:cNvSpPr>
+          <p:nvPr>
+            <p:ph idx="1"/>
+          </p:nvPr>
+        </p:nvSpPr>
+        <p:spPr/>
+        <p:txBody>
+          <a:bodyPr/>
+          <a:lstStyle/>
+          <a:p>
+            <a:r>
+              <a:rPr lang="ru-RU" dirty="0"/>
+              <a:t>1. Обязательное ограничение уникальности по натуральному ключу в справочниках, например, в </a:t>
+            </a:r>
+            <a:r>
+              <a:rPr lang="en-US" dirty="0"/>
+              <a:t>[CH3_Ship_To_Code]</a:t>
+            </a:r>
+            <a:r>
+              <a:rPr lang="ru-RU" dirty="0"/>
+              <a:t> в справочнике </a:t>
+            </a:r>
+            <a:r>
+              <a:rPr lang="en-US" sz="1800" dirty="0">
+                <a:solidFill>
+                  <a:srgbClr val="000000"/>
+                </a:solidFill>
+                <a:latin typeface="Consolas" panose="020B0609020204030204" pitchFamily="49" charset="0"/>
+              </a:rPr>
+              <a:t>[DMND]</a:t>
+            </a:r>
+            <a:r>
+              <a:rPr lang="en-US" sz="1800" dirty="0">
+                <a:solidFill>
+                  <a:srgbClr val="808080"/>
+                </a:solidFill>
+                <a:latin typeface="Consolas" panose="020B0609020204030204" pitchFamily="49" charset="0"/>
+              </a:rPr>
+              <a:t>.</a:t>
+            </a:r>
+            <a:r>
+              <a:rPr lang="en-US" sz="1800" dirty="0">
+                <a:solidFill>
+                  <a:srgbClr val="000000"/>
+                </a:solidFill>
+                <a:latin typeface="Consolas" panose="020B0609020204030204" pitchFamily="49" charset="0"/>
+              </a:rPr>
+              <a:t>[</a:t>
+            </a:r>
+            <a:r>
+              <a:rPr lang="en-US" sz="1800" dirty="0" err="1">
+                <a:solidFill>
+                  <a:srgbClr val="000000"/>
+                </a:solidFill>
+                <a:latin typeface="Consolas" panose="020B0609020204030204" pitchFamily="49" charset="0"/>
+              </a:rPr>
+              <a:t>Dim_CustomerPlanning</a:t>
+            </a:r>
+            <a:r>
+              <a:rPr lang="en-US" sz="1800" dirty="0">
+                <a:solidFill>
+                  <a:srgbClr val="000000"/>
+                </a:solidFill>
+                <a:latin typeface="Consolas" panose="020B0609020204030204" pitchFamily="49" charset="0"/>
+              </a:rPr>
+              <a:t>]</a:t>
+            </a:r>
+            <a:endParaRPr lang="en-US" dirty="0"/>
+          </a:p>
+          <a:p>
+            <a:r>
+              <a:rPr lang="en-US" dirty="0"/>
+              <a:t>2.</a:t>
+            </a:r>
+            <a:r>
+              <a:rPr lang="ru-RU" dirty="0"/>
+              <a:t> Кластерный первичный ключ</a:t>
+            </a:r>
+            <a:r>
+              <a:rPr lang="en-US" dirty="0"/>
+              <a:t> – </a:t>
+            </a:r>
+            <a:r>
+              <a:rPr lang="ru-RU" dirty="0"/>
+              <a:t>искусственный - </a:t>
+            </a:r>
+            <a:r>
+              <a:rPr lang="en-US" dirty="0"/>
+              <a:t>ID</a:t>
+            </a:r>
+            <a:endParaRPr lang="ru-RU" dirty="0"/>
+          </a:p>
+          <a:p>
+            <a:r>
+              <a:rPr lang="ru-RU" dirty="0"/>
+              <a:t>3.  Не кластерный индекс по натуральному ключу</a:t>
+            </a:r>
+          </a:p>
+        </p:txBody>
+      </p:sp>
+    </p:spTree>
+    <p:extLst>
+      <p:ext uri="{BB962C8B-B14F-4D97-AF65-F5344CB8AC3E}">
+        <p14:creationId xmlns:p14="http://schemas.microsoft.com/office/powerpoint/2010/main" val="4255248261"/>
+      </p:ext>
+    </p:extLst>
+  </p:cSld>
+  <p:clrMapOvr>
+    <a:masterClrMapping/>
+  </p:clrMapOvr>
+</p:sld>
+</file>
+
+<file path=ppt/slides/slide7.xml><?xml version="1.0" encoding="utf-8"?>
+<p:sld xmlns:a="http://schemas.openxmlformats.org/drawingml/2006/main" xmlns:r="http://schemas.openxmlformats.org/officeDocument/2006/relationships" xmlns:p="http://schemas.openxmlformats.org/presentationml/2006/main">
+  <p:cSld>
+    <p:spTree>
+      <p:nvGrpSpPr>
+        <p:cNvPr id="1" name=""/>
+        <p:cNvGrpSpPr/>
+        <p:nvPr/>
+      </p:nvGrpSpPr>
+      <p:grpSpPr>
+        <a:xfrm>
+          <a:off x="0" y="0"/>
+          <a:ext cx="0" cy="0"/>
+          <a:chOff x="0" y="0"/>
+          <a:chExt cx="0" cy="0"/>
+        </a:xfrm>
+      </p:grpSpPr>
+      <p:sp>
+        <p:nvSpPr>
+          <p:cNvPr id="2" name="Заголовок 1">
+            <a:extLst>
+              <a:ext uri="{FF2B5EF4-FFF2-40B4-BE49-F238E27FC236}">
+                <a16:creationId xmlns:a16="http://schemas.microsoft.com/office/drawing/2014/main" id="{AD9C3B0C-E66F-4EDB-945F-608282809BEC}"/>
+              </a:ext>
+            </a:extLst>
+          </p:cNvPr>
+          <p:cNvSpPr>
+            <a:spLocks noGrp="1"/>
+          </p:cNvSpPr>
+          <p:nvPr>
+            <p:ph type="title"/>
+          </p:nvPr>
+        </p:nvSpPr>
+        <p:spPr/>
+        <p:txBody>
+          <a:bodyPr/>
+          <a:lstStyle/>
+          <a:p>
+            <a:endParaRPr lang="ru-RU"/>
+          </a:p>
+        </p:txBody>
+      </p:sp>
+      <p:sp>
+        <p:nvSpPr>
+          <p:cNvPr id="3" name="Объект 2">
+            <a:extLst>
+              <a:ext uri="{FF2B5EF4-FFF2-40B4-BE49-F238E27FC236}">
+                <a16:creationId xmlns:a16="http://schemas.microsoft.com/office/drawing/2014/main" id="{A67FEDAC-6022-45C5-B626-6FA6F0F4064A}"/>
+              </a:ext>
+            </a:extLst>
+          </p:cNvPr>
+          <p:cNvSpPr>
+            <a:spLocks noGrp="1"/>
+          </p:cNvSpPr>
+          <p:nvPr>
+            <p:ph idx="1"/>
+          </p:nvPr>
+        </p:nvSpPr>
+        <p:spPr/>
+        <p:txBody>
+          <a:bodyPr/>
+          <a:lstStyle/>
+          <a:p>
+            <a:endParaRPr lang="ru-RU"/>
+          </a:p>
+        </p:txBody>
+      </p:sp>
+    </p:spTree>
+    <p:extLst>
+      <p:ext uri="{BB962C8B-B14F-4D97-AF65-F5344CB8AC3E}">
+        <p14:creationId xmlns:p14="http://schemas.microsoft.com/office/powerpoint/2010/main" val="3812395234"/>
+      </p:ext>
+    </p:extLst>
+  </p:cSld>
+  <p:clrMapOvr>
+    <a:masterClrMapping/>
+  </p:clrMapOvr>
+</p:sld>
+</file>
+
 <file path=ppt/theme/theme1.xml><?xml version="1.0" encoding="utf-8"?>
 <a:theme xmlns:a="http://schemas.openxmlformats.org/drawingml/2006/main" name="Аспект">
   <a:themeElements>
